--- a/Keylogger and Security project.pptx
+++ b/Keylogger and Security project.pptx
@@ -3551,9 +3551,10 @@
           <a:lstStyle/>
           <a:p>
             <a:r>
-              <a:rPr lang="en-US" dirty="0"/>
-              <a:t>https://github.com/Govardhan2302/APSSDC-Key-logger-Project.git</a:t>
-            </a:r>
+              <a:rPr lang="en-US"/>
+              <a:t>https://github.com/Narahari1208/project.git</a:t>
+            </a:r>
+            <a:endParaRPr lang="en-US" dirty="0"/>
           </a:p>
         </p:txBody>
       </p:sp>
